--- a/TSW_Project.pptx
+++ b/TSW_Project.pptx
@@ -261,7 +261,7 @@
           <a:p>
             <a:fld id="{48A87A34-81AB-432B-8DAE-1953F412C126}" type="datetimeFigureOut">
               <a:rPr lang="en-US" dirty="0"/>
-              <a:t>2/17/19</a:t>
+              <a:t>3/5/19</a:t>
             </a:fld>
             <a:endParaRPr lang="en-US" dirty="0"/>
           </a:p>
@@ -467,7 +467,7 @@
           <a:p>
             <a:fld id="{48A87A34-81AB-432B-8DAE-1953F412C126}" type="datetimeFigureOut">
               <a:rPr lang="en-US" dirty="0"/>
-              <a:t>2/17/19</a:t>
+              <a:t>3/5/19</a:t>
             </a:fld>
             <a:endParaRPr lang="en-US" dirty="0"/>
           </a:p>
@@ -677,7 +677,7 @@
           <a:p>
             <a:fld id="{48A87A34-81AB-432B-8DAE-1953F412C126}" type="datetimeFigureOut">
               <a:rPr lang="en-US" dirty="0"/>
-              <a:t>2/17/19</a:t>
+              <a:t>3/5/19</a:t>
             </a:fld>
             <a:endParaRPr lang="en-US" dirty="0"/>
           </a:p>
@@ -873,7 +873,7 @@
           <a:p>
             <a:fld id="{48A87A34-81AB-432B-8DAE-1953F412C126}" type="datetimeFigureOut">
               <a:rPr lang="en-US" dirty="0"/>
-              <a:t>2/17/19</a:t>
+              <a:t>3/5/19</a:t>
             </a:fld>
             <a:endParaRPr lang="en-US" dirty="0"/>
           </a:p>
@@ -1147,7 +1147,7 @@
           <a:p>
             <a:fld id="{48A87A34-81AB-432B-8DAE-1953F412C126}" type="datetimeFigureOut">
               <a:rPr lang="en-US" dirty="0"/>
-              <a:t>2/17/19</a:t>
+              <a:t>3/5/19</a:t>
             </a:fld>
             <a:endParaRPr lang="en-US" dirty="0"/>
           </a:p>
@@ -1410,7 +1410,7 @@
           <a:p>
             <a:fld id="{48A87A34-81AB-432B-8DAE-1953F412C126}" type="datetimeFigureOut">
               <a:rPr lang="en-US" dirty="0"/>
-              <a:t>2/17/19</a:t>
+              <a:t>3/5/19</a:t>
             </a:fld>
             <a:endParaRPr lang="en-US" dirty="0"/>
           </a:p>
@@ -1821,7 +1821,7 @@
           <a:p>
             <a:fld id="{48A87A34-81AB-432B-8DAE-1953F412C126}" type="datetimeFigureOut">
               <a:rPr lang="en-US" dirty="0"/>
-              <a:t>2/17/19</a:t>
+              <a:t>3/5/19</a:t>
             </a:fld>
             <a:endParaRPr lang="en-US" dirty="0"/>
           </a:p>
@@ -1965,7 +1965,7 @@
           <a:p>
             <a:fld id="{48A87A34-81AB-432B-8DAE-1953F412C126}" type="datetimeFigureOut">
               <a:rPr lang="en-US" dirty="0"/>
-              <a:t>2/17/19</a:t>
+              <a:t>3/5/19</a:t>
             </a:fld>
             <a:endParaRPr lang="en-US" dirty="0"/>
           </a:p>
@@ -2086,7 +2086,7 @@
           <a:p>
             <a:fld id="{48A87A34-81AB-432B-8DAE-1953F412C126}" type="datetimeFigureOut">
               <a:rPr lang="en-US" dirty="0"/>
-              <a:t>2/17/19</a:t>
+              <a:t>3/5/19</a:t>
             </a:fld>
             <a:endParaRPr lang="en-US" dirty="0"/>
           </a:p>
@@ -2332,7 +2332,7 @@
           <a:p>
             <a:fld id="{48A87A34-81AB-432B-8DAE-1953F412C126}" type="datetimeFigureOut">
               <a:rPr lang="en-US" dirty="0"/>
-              <a:t>2/17/19</a:t>
+              <a:t>3/5/19</a:t>
             </a:fld>
             <a:endParaRPr lang="en-US" dirty="0"/>
           </a:p>
@@ -2773,7 +2773,7 @@
             <a:fld id="{48A87A34-81AB-432B-8DAE-1953F412C126}" type="datetimeFigureOut">
               <a:rPr lang="en-US" dirty="0"/>
               <a:pPr/>
-              <a:t>2/17/19</a:t>
+              <a:t>3/5/19</a:t>
             </a:fld>
             <a:endParaRPr lang="en-US" dirty="0"/>
           </a:p>
@@ -3095,7 +3095,7 @@
             <a:fld id="{48A87A34-81AB-432B-8DAE-1953F412C126}" type="datetimeFigureOut">
               <a:rPr lang="en-US" dirty="0"/>
               <a:pPr/>
-              <a:t>2/17/19</a:t>
+              <a:t>3/5/19</a:t>
             </a:fld>
             <a:endParaRPr lang="en-US" dirty="0"/>
           </a:p>
@@ -3626,35 +3626,9 @@
         <p:spPr/>
         <p:txBody>
           <a:bodyPr>
-            <a:normAutofit fontScale="62500" lnSpcReduction="20000"/>
+            <a:normAutofit/>
           </a:bodyPr>
           <a:lstStyle/>
-          <a:p>
-            <a:r>
-              <a:rPr lang="en-US" dirty="0"/>
-              <a:t>Joseph </a:t>
-            </a:r>
-            <a:r>
-              <a:rPr lang="en-US" dirty="0" err="1"/>
-              <a:t>lionel</a:t>
-            </a:r>
-            <a:endParaRPr lang="en-US" dirty="0"/>
-          </a:p>
-          <a:p>
-            <a:r>
-              <a:rPr lang="en-US" dirty="0" err="1"/>
-              <a:t>Shabharinath</a:t>
-            </a:r>
-            <a:r>
-              <a:rPr lang="en-US" dirty="0"/>
-              <a:t> </a:t>
-            </a:r>
-            <a:r>
-              <a:rPr lang="en-US" dirty="0" err="1"/>
-              <a:t>tr</a:t>
-            </a:r>
-            <a:endParaRPr lang="en-US" dirty="0"/>
-          </a:p>
           <a:p>
             <a:r>
               <a:rPr lang="en-US" dirty="0" err="1"/>
